--- a/ppt/최종 발표.pptx
+++ b/ppt/최종 발표.pptx
@@ -3967,7 +3967,7 @@
           <a:p>
             <a:r>
               <a:rPr lang="ko-KR" altLang="en-US" sz="2800" dirty="0"/>
-              <a:t>개발 범위</a:t>
+              <a:t>개발 진척도</a:t>
             </a:r>
             <a:endParaRPr lang="ko-KR" altLang="en-US" sz="2800" dirty="0">
               <a:solidFill>
@@ -3992,14 +3992,14 @@
           <p:nvPr>
             <p:extLst>
               <p:ext uri="{D42A27DB-BD31-4B8C-83A1-F6EECF244321}">
-                <p14:modId xmlns:p14="http://schemas.microsoft.com/office/powerpoint/2010/main" val="822501309"/>
+                <p14:modId xmlns:p14="http://schemas.microsoft.com/office/powerpoint/2010/main" val="2154055475"/>
               </p:ext>
             </p:extLst>
           </p:nvPr>
         </p:nvGraphicFramePr>
         <p:xfrm>
-          <a:off x="301657" y="972908"/>
-          <a:ext cx="11660957" cy="3693360"/>
+          <a:off x="301657" y="1138277"/>
+          <a:ext cx="11488266" cy="4999873"/>
         </p:xfrm>
         <a:graphic>
           <a:graphicData uri="http://schemas.openxmlformats.org/drawingml/2006/table">
@@ -4008,29 +4008,36 @@
                 <a:tableStyleId>{F5AB1C69-6EDB-4FF4-983F-18BD219EF322}</a:tableStyleId>
               </a:tblPr>
               <a:tblGrid>
-                <a:gridCol w="2171855">
+                <a:gridCol w="1872086">
                   <a:extLst>
                     <a:ext uri="{9D8B030D-6E8A-4147-A177-3AD203B41FA5}">
                       <a16:colId xmlns:a16="http://schemas.microsoft.com/office/drawing/2014/main" val="2172615152"/>
                     </a:ext>
                   </a:extLst>
                 </a:gridCol>
-                <a:gridCol w="4731639">
+                <a:gridCol w="4078556">
                   <a:extLst>
                     <a:ext uri="{9D8B030D-6E8A-4147-A177-3AD203B41FA5}">
                       <a16:colId xmlns:a16="http://schemas.microsoft.com/office/drawing/2014/main" val="1847601684"/>
                     </a:ext>
                   </a:extLst>
                 </a:gridCol>
-                <a:gridCol w="4757463">
+                <a:gridCol w="4543935">
                   <a:extLst>
                     <a:ext uri="{9D8B030D-6E8A-4147-A177-3AD203B41FA5}">
                       <a16:colId xmlns:a16="http://schemas.microsoft.com/office/drawing/2014/main" val="111896676"/>
                     </a:ext>
                   </a:extLst>
                 </a:gridCol>
+                <a:gridCol w="993689">
+                  <a:extLst>
+                    <a:ext uri="{9D8B030D-6E8A-4147-A177-3AD203B41FA5}">
+                      <a16:colId xmlns:a16="http://schemas.microsoft.com/office/drawing/2014/main" val="3600580844"/>
+                    </a:ext>
+                  </a:extLst>
+                </a:gridCol>
               </a:tblGrid>
-              <a:tr h="338558">
+              <a:tr h="367638">
                 <a:tc>
                   <a:txBody>
                     <a:bodyPr/>
@@ -4038,12 +4045,16 @@
                     <a:p>
                       <a:pPr algn="ctr" latinLnBrk="1"/>
                       <a:r>
-                        <a:rPr lang="ko-KR" altLang="en-US" sz="1600" dirty="0"/>
+                        <a:rPr lang="ko-KR" altLang="en-US" sz="1400" b="1" dirty="0">
+                          <a:solidFill>
+                            <a:schemeClr val="tx1"/>
+                          </a:solidFill>
+                        </a:rPr>
                         <a:t>내용</a:t>
                       </a:r>
                     </a:p>
                   </a:txBody>
-                  <a:tcPr/>
+                  <a:tcPr anchor="ctr"/>
                 </a:tc>
                 <a:tc>
                   <a:txBody>
@@ -4052,12 +4063,16 @@
                     <a:p>
                       <a:pPr algn="ctr" latinLnBrk="1"/>
                       <a:r>
-                        <a:rPr lang="ko-KR" altLang="en-US" sz="1600" dirty="0"/>
-                        <a:t>최소 범위</a:t>
+                        <a:rPr lang="ko-KR" altLang="en-US" sz="1400" b="1" dirty="0">
+                          <a:solidFill>
+                            <a:schemeClr val="tx1"/>
+                          </a:solidFill>
+                        </a:rPr>
+                        <a:t>수정 된 개발 목표 범위 </a:t>
                       </a:r>
                     </a:p>
                   </a:txBody>
-                  <a:tcPr/>
+                  <a:tcPr anchor="ctr"/>
                 </a:tc>
                 <a:tc>
                   <a:txBody>
@@ -4066,12 +4081,34 @@
                     <a:p>
                       <a:pPr algn="ctr" latinLnBrk="1"/>
                       <a:r>
-                        <a:rPr lang="ko-KR" altLang="en-US" sz="1600" dirty="0"/>
-                        <a:t>추가범위</a:t>
+                        <a:rPr lang="ko-KR" altLang="en-US" sz="1400" b="1" dirty="0">
+                          <a:solidFill>
+                            <a:schemeClr val="tx1"/>
+                          </a:solidFill>
+                        </a:rPr>
+                        <a:t>실제 개발 완료 범위</a:t>
                       </a:r>
                     </a:p>
                   </a:txBody>
-                  <a:tcPr/>
+                  <a:tcPr anchor="ctr"/>
+                </a:tc>
+                <a:tc>
+                  <a:txBody>
+                    <a:bodyPr/>
+                    <a:lstStyle/>
+                    <a:p>
+                      <a:pPr algn="ctr" latinLnBrk="1"/>
+                      <a:r>
+                        <a:rPr lang="ko-KR" altLang="en-US" sz="1400" b="1" dirty="0">
+                          <a:solidFill>
+                            <a:schemeClr val="tx1"/>
+                          </a:solidFill>
+                        </a:rPr>
+                        <a:t>진척도</a:t>
+                      </a:r>
+                    </a:p>
+                  </a:txBody>
+                  <a:tcPr anchor="ctr"/>
                 </a:tc>
                 <a:extLst>
                   <a:ext uri="{0D108BD9-81ED-4DB2-BD59-A6C34878D82A}">
@@ -4079,7 +4116,7 @@
                   </a:ext>
                 </a:extLst>
               </a:tr>
-              <a:tr h="584782">
+              <a:tr h="624984">
                 <a:tc>
                   <a:txBody>
                     <a:bodyPr/>
@@ -4087,12 +4124,16 @@
                     <a:p>
                       <a:pPr algn="ctr" latinLnBrk="1"/>
                       <a:r>
-                        <a:rPr lang="ko-KR" altLang="en-US" sz="1600" dirty="0"/>
+                        <a:rPr lang="ko-KR" altLang="en-US" sz="1400" b="0" dirty="0">
+                          <a:solidFill>
+                            <a:schemeClr val="tx1"/>
+                          </a:solidFill>
+                        </a:rPr>
                         <a:t>컨트롤</a:t>
                       </a:r>
                     </a:p>
                   </a:txBody>
-                  <a:tcPr/>
+                  <a:tcPr anchor="ctr"/>
                 </a:tc>
                 <a:tc>
                   <a:txBody>
@@ -4101,215 +4142,99 @@
                     <a:p>
                       <a:pPr algn="ctr" latinLnBrk="1"/>
                       <a:r>
-                        <a:rPr lang="ko-KR" altLang="en-US" sz="1600" dirty="0"/>
+                        <a:rPr lang="ko-KR" altLang="en-US" sz="1400" b="0" dirty="0">
+                          <a:solidFill>
+                            <a:schemeClr val="tx1"/>
+                          </a:solidFill>
+                        </a:rPr>
                         <a:t>앞</a:t>
                       </a:r>
                       <a:r>
-                        <a:rPr lang="en-US" altLang="ko-KR" sz="1600" dirty="0"/>
+                        <a:rPr lang="en-US" altLang="ko-KR" sz="1400" b="0" dirty="0">
+                          <a:solidFill>
+                            <a:schemeClr val="tx1"/>
+                          </a:solidFill>
+                        </a:rPr>
                         <a:t>.</a:t>
                       </a:r>
                       <a:r>
-                        <a:rPr lang="ko-KR" altLang="en-US" sz="1600" dirty="0"/>
+                        <a:rPr lang="ko-KR" altLang="en-US" sz="1400" b="0" dirty="0">
+                          <a:solidFill>
+                            <a:schemeClr val="tx1"/>
+                          </a:solidFill>
+                        </a:rPr>
                         <a:t>뒤 </a:t>
                       </a:r>
                       <a:r>
-                        <a:rPr lang="en-US" altLang="ko-KR" sz="1600" dirty="0"/>
+                        <a:rPr lang="en-US" altLang="ko-KR" sz="1400" b="0" dirty="0">
+                          <a:solidFill>
+                            <a:schemeClr val="tx1"/>
+                          </a:solidFill>
+                        </a:rPr>
                         <a:t>2</a:t>
                       </a:r>
                       <a:r>
-                        <a:rPr lang="ko-KR" altLang="en-US" sz="1600" dirty="0"/>
+                        <a:rPr lang="ko-KR" altLang="en-US" sz="1400" b="0" dirty="0">
+                          <a:solidFill>
+                            <a:schemeClr val="tx1"/>
+                          </a:solidFill>
+                        </a:rPr>
                         <a:t>방향 및 점프</a:t>
                       </a:r>
                       <a:r>
-                        <a:rPr lang="en-US" altLang="ko-KR" sz="1600" dirty="0"/>
+                        <a:rPr lang="en-US" altLang="ko-KR" sz="1400" b="0" dirty="0">
+                          <a:solidFill>
+                            <a:schemeClr val="tx1"/>
+                          </a:solidFill>
+                        </a:rPr>
                         <a:t> </a:t>
                       </a:r>
                       <a:r>
-                        <a:rPr lang="ko-KR" altLang="en-US" sz="1600" dirty="0"/>
+                        <a:rPr lang="ko-KR" altLang="en-US" sz="1400" b="0" dirty="0">
+                          <a:solidFill>
+                            <a:schemeClr val="tx1"/>
+                          </a:solidFill>
+                        </a:rPr>
                         <a:t>방향</a:t>
                       </a:r>
-                      <a:endParaRPr lang="en-US" altLang="ko-KR" sz="1600" dirty="0"/>
-                    </a:p>
-                    <a:p>
-                      <a:pPr algn="ctr" latinLnBrk="1"/>
-                      <a:r>
-                        <a:rPr lang="ko-KR" altLang="en-US" sz="1600" dirty="0"/>
+                      <a:r>
+                        <a:rPr lang="en-US" altLang="ko-KR" sz="1400" b="0" dirty="0">
+                          <a:solidFill>
+                            <a:schemeClr val="tx1"/>
+                          </a:solidFill>
+                        </a:rPr>
+                        <a:t> </a:t>
+                      </a:r>
+                      <a:r>
+                        <a:rPr lang="ko-KR" altLang="en-US" sz="1400" b="0" dirty="0">
+                          <a:solidFill>
+                            <a:schemeClr val="tx1"/>
+                          </a:solidFill>
+                        </a:rPr>
                         <a:t>등 </a:t>
                       </a:r>
                       <a:r>
-                        <a:rPr lang="en-US" altLang="ko-KR" sz="1600" dirty="0"/>
+                        <a:rPr lang="en-US" altLang="ko-KR" sz="1400" b="0" dirty="0">
+                          <a:solidFill>
+                            <a:schemeClr val="tx1"/>
+                          </a:solidFill>
+                        </a:rPr>
                         <a:t>3</a:t>
                       </a:r>
                       <a:r>
-                        <a:rPr lang="ko-KR" altLang="en-US" sz="1600" dirty="0"/>
+                        <a:rPr lang="ko-KR" altLang="en-US" sz="1400" b="0" dirty="0">
+                          <a:solidFill>
+                            <a:schemeClr val="tx1"/>
+                          </a:solidFill>
+                        </a:rPr>
                         <a:t>방향 지원</a:t>
                       </a:r>
-                    </a:p>
-                  </a:txBody>
-                  <a:tcPr/>
-                </a:tc>
-                <a:tc>
-                  <a:txBody>
-                    <a:bodyPr/>
-                    <a:lstStyle/>
-                    <a:p>
-                      <a:pPr algn="ctr" latinLnBrk="1"/>
-                      <a:r>
-                        <a:rPr lang="ko-KR" altLang="en-US" sz="1600" dirty="0"/>
-                        <a:t>이단 점프</a:t>
-                      </a:r>
-                      <a:r>
-                        <a:rPr lang="en-US" altLang="ko-KR" sz="1600" dirty="0"/>
-                        <a:t>, </a:t>
-                      </a:r>
-                      <a:r>
-                        <a:rPr lang="ko-KR" altLang="en-US" sz="1600" dirty="0"/>
-                        <a:t>슬라이딩 등 추가 컨트롤 지원</a:t>
-                      </a:r>
-                    </a:p>
-                  </a:txBody>
-                  <a:tcPr/>
-                </a:tc>
-                <a:extLst>
-                  <a:ext uri="{0D108BD9-81ED-4DB2-BD59-A6C34878D82A}">
-                    <a16:rowId xmlns:a16="http://schemas.microsoft.com/office/drawing/2014/main" val="3435870843"/>
-                  </a:ext>
-                </a:extLst>
-              </a:tr>
-              <a:tr h="338558">
-                <a:tc>
-                  <a:txBody>
-                    <a:bodyPr/>
-                    <a:lstStyle/>
-                    <a:p>
-                      <a:pPr algn="ctr" latinLnBrk="1"/>
-                      <a:r>
-                        <a:rPr lang="ko-KR" altLang="en-US" sz="1600" dirty="0"/>
-                        <a:t>캐릭터 기술</a:t>
-                      </a:r>
-                    </a:p>
-                  </a:txBody>
-                  <a:tcPr/>
-                </a:tc>
-                <a:tc>
-                  <a:txBody>
-                    <a:bodyPr/>
-                    <a:lstStyle/>
-                    <a:p>
-                      <a:pPr algn="ctr" latinLnBrk="1"/>
-                      <a:r>
-                        <a:rPr lang="ko-KR" altLang="en-US" sz="1600" dirty="0"/>
-                        <a:t>실제 포켓몬 스킬</a:t>
-                      </a:r>
-                      <a:r>
-                        <a:rPr lang="en-US" altLang="ko-KR" sz="1600" dirty="0"/>
-                        <a:t>(</a:t>
-                      </a:r>
-                      <a:r>
-                        <a:rPr lang="ko-KR" altLang="en-US" sz="1600" dirty="0" err="1"/>
-                        <a:t>아이언테일</a:t>
-                      </a:r>
-                      <a:r>
-                        <a:rPr lang="ko-KR" altLang="en-US" sz="1600" dirty="0"/>
-                        <a:t> 등</a:t>
-                      </a:r>
-                      <a:r>
-                        <a:rPr lang="en-US" altLang="ko-KR" sz="1600" dirty="0"/>
-                        <a:t>) 1</a:t>
-                      </a:r>
-                      <a:r>
-                        <a:rPr lang="ko-KR" altLang="en-US" sz="1600" dirty="0"/>
-                        <a:t>개 구성 </a:t>
-                      </a:r>
-                    </a:p>
-                  </a:txBody>
-                  <a:tcPr/>
-                </a:tc>
-                <a:tc>
-                  <a:txBody>
-                    <a:bodyPr/>
-                    <a:lstStyle/>
-                    <a:p>
-                      <a:pPr algn="ctr" latinLnBrk="1"/>
-                      <a:r>
-                        <a:rPr lang="ko-KR" altLang="en-US" sz="1600" dirty="0"/>
-                        <a:t>추가 </a:t>
-                      </a:r>
-                      <a:r>
-                        <a:rPr lang="en-US" altLang="ko-KR" sz="1600" dirty="0"/>
-                        <a:t>1</a:t>
-                      </a:r>
-                      <a:r>
-                        <a:rPr lang="ko-KR" altLang="en-US" sz="1600" dirty="0"/>
-                        <a:t>개 이상 스킬 반영</a:t>
-                      </a:r>
-                    </a:p>
-                  </a:txBody>
-                  <a:tcPr/>
-                </a:tc>
-                <a:extLst>
-                  <a:ext uri="{0D108BD9-81ED-4DB2-BD59-A6C34878D82A}">
-                    <a16:rowId xmlns:a16="http://schemas.microsoft.com/office/drawing/2014/main" val="1477772489"/>
-                  </a:ext>
-                </a:extLst>
-              </a:tr>
-              <a:tr h="338558">
-                <a:tc>
-                  <a:txBody>
-                    <a:bodyPr/>
-                    <a:lstStyle/>
-                    <a:p>
-                      <a:pPr algn="ctr" latinLnBrk="1"/>
-                      <a:r>
-                        <a:rPr lang="ko-KR" altLang="en-US" sz="1600" b="0" dirty="0">
-                          <a:solidFill>
-                            <a:schemeClr val="tx1"/>
-                          </a:solidFill>
-                        </a:rPr>
-                        <a:t>맵</a:t>
-                      </a:r>
-                    </a:p>
-                  </a:txBody>
-                  <a:tcPr/>
-                </a:tc>
-                <a:tc>
-                  <a:txBody>
-                    <a:bodyPr/>
-                    <a:lstStyle/>
-                    <a:p>
-                      <a:pPr algn="ctr" latinLnBrk="1"/>
-                      <a:r>
-                        <a:rPr lang="ko-KR" altLang="en-US" sz="1600" b="0" dirty="0">
-                          <a:solidFill>
-                            <a:schemeClr val="tx1"/>
-                          </a:solidFill>
-                        </a:rPr>
-                        <a:t>총 </a:t>
-                      </a:r>
-                      <a:r>
-                        <a:rPr lang="en-US" altLang="ko-KR" sz="1600" b="0" dirty="0">
-                          <a:solidFill>
-                            <a:schemeClr val="tx1"/>
-                          </a:solidFill>
-                        </a:rPr>
-                        <a:t>3</a:t>
-                      </a:r>
-                      <a:r>
-                        <a:rPr lang="ko-KR" altLang="en-US" sz="1600" b="0" dirty="0">
-                          <a:solidFill>
-                            <a:schemeClr val="tx1"/>
-                          </a:solidFill>
-                        </a:rPr>
-                        <a:t>개의 맵 구성</a:t>
-                      </a:r>
-                    </a:p>
-                  </a:txBody>
-                  <a:tcPr/>
-                </a:tc>
-                <a:tc>
-                  <a:txBody>
-                    <a:bodyPr/>
-                    <a:lstStyle/>
+                      <a:endParaRPr lang="en-US" altLang="ko-KR" sz="1400" b="0" dirty="0">
+                        <a:solidFill>
+                          <a:schemeClr val="tx1"/>
+                        </a:solidFill>
+                      </a:endParaRPr>
+                    </a:p>
                     <a:p>
                       <a:pPr marL="0" marR="0" lvl="0" indent="0" algn="ctr" defTabSz="914400" rtl="0" eaLnBrk="1" fontAlgn="auto" latinLnBrk="1" hangingPunct="1">
                         <a:lnSpc>
@@ -4329,41 +4254,32 @@
                         <a:defRPr/>
                       </a:pPr>
                       <a:r>
-                        <a:rPr lang="ko-KR" altLang="en-US" sz="1600" b="0" dirty="0">
-                          <a:solidFill>
-                            <a:schemeClr val="tx1"/>
-                          </a:solidFill>
-                        </a:rPr>
-                        <a:t>맵 선택창 구현</a:t>
+                        <a:rPr lang="ko-KR" altLang="en-US" sz="1400" b="0" dirty="0">
+                          <a:solidFill>
+                            <a:schemeClr val="tx1"/>
+                          </a:solidFill>
+                        </a:rPr>
+                        <a:t>이단 점프</a:t>
+                      </a:r>
+                      <a:r>
+                        <a:rPr lang="en-US" altLang="ko-KR" sz="1400" b="0" dirty="0">
+                          <a:solidFill>
+                            <a:schemeClr val="tx1"/>
+                          </a:solidFill>
+                        </a:rPr>
+                        <a:t>, </a:t>
+                      </a:r>
+                      <a:r>
+                        <a:rPr lang="ko-KR" altLang="en-US" sz="1400" b="0" dirty="0">
+                          <a:solidFill>
+                            <a:schemeClr val="tx1"/>
+                          </a:solidFill>
+                        </a:rPr>
+                        <a:t>슬라이딩 등 추가 컨트롤 지원</a:t>
                       </a:r>
                     </a:p>
                   </a:txBody>
-                  <a:tcPr/>
-                </a:tc>
-                <a:extLst>
-                  <a:ext uri="{0D108BD9-81ED-4DB2-BD59-A6C34878D82A}">
-                    <a16:rowId xmlns:a16="http://schemas.microsoft.com/office/drawing/2014/main" val="280363296"/>
-                  </a:ext>
-                </a:extLst>
-              </a:tr>
-              <a:tr h="338558">
-                <a:tc>
-                  <a:txBody>
-                    <a:bodyPr/>
-                    <a:lstStyle/>
-                    <a:p>
-                      <a:pPr algn="ctr" latinLnBrk="1"/>
-                      <a:r>
-                        <a:rPr lang="ko-KR" altLang="en-US" sz="1600" b="0" dirty="0">
-                          <a:solidFill>
-                            <a:schemeClr val="tx1"/>
-                          </a:solidFill>
-                        </a:rPr>
-                        <a:t>캐릭터</a:t>
-                      </a:r>
-                    </a:p>
-                  </a:txBody>
-                  <a:tcPr/>
+                  <a:tcPr anchor="ctr"/>
                 </a:tc>
                 <a:tc>
                   <a:txBody>
@@ -4372,7 +4288,306 @@
                     <a:p>
                       <a:pPr algn="ctr" latinLnBrk="1"/>
                       <a:r>
-                        <a:rPr lang="ko-KR" altLang="en-US" sz="1600" b="0" dirty="0">
+                        <a:rPr lang="ko-KR" altLang="en-US" sz="1400" b="0" dirty="0">
+                          <a:solidFill>
+                            <a:schemeClr val="tx1"/>
+                          </a:solidFill>
+                        </a:rPr>
+                        <a:t>앞</a:t>
+                      </a:r>
+                      <a:r>
+                        <a:rPr lang="en-US" altLang="ko-KR" sz="1400" b="0" dirty="0">
+                          <a:solidFill>
+                            <a:schemeClr val="tx1"/>
+                          </a:solidFill>
+                        </a:rPr>
+                        <a:t>.</a:t>
+                      </a:r>
+                      <a:r>
+                        <a:rPr lang="ko-KR" altLang="en-US" sz="1400" b="0" dirty="0">
+                          <a:solidFill>
+                            <a:schemeClr val="tx1"/>
+                          </a:solidFill>
+                        </a:rPr>
+                        <a:t>뒤 점프</a:t>
+                      </a:r>
+                      <a:r>
+                        <a:rPr lang="en-US" altLang="ko-KR" sz="1400" b="0" dirty="0">
+                          <a:solidFill>
+                            <a:schemeClr val="tx1"/>
+                          </a:solidFill>
+                        </a:rPr>
+                        <a:t>, </a:t>
+                      </a:r>
+                      <a:r>
+                        <a:rPr lang="ko-KR" altLang="en-US" sz="1400" b="0" dirty="0">
+                          <a:solidFill>
+                            <a:schemeClr val="tx1"/>
+                          </a:solidFill>
+                        </a:rPr>
+                        <a:t>슬라이딩 구현</a:t>
+                      </a:r>
+                      <a:endParaRPr lang="en-US" altLang="ko-KR" sz="1400" b="0" dirty="0">
+                        <a:solidFill>
+                          <a:schemeClr val="tx1"/>
+                        </a:solidFill>
+                      </a:endParaRPr>
+                    </a:p>
+                    <a:p>
+                      <a:pPr algn="ctr" latinLnBrk="1"/>
+                      <a:r>
+                        <a:rPr lang="ko-KR" altLang="en-US" sz="1400" b="0" dirty="0">
+                          <a:solidFill>
+                            <a:schemeClr val="tx1"/>
+                          </a:solidFill>
+                        </a:rPr>
+                        <a:t>이단 점프 </a:t>
+                      </a:r>
+                      <a:r>
+                        <a:rPr lang="en-US" altLang="ko-KR" sz="1400" b="0" dirty="0">
+                          <a:solidFill>
+                            <a:schemeClr val="tx1"/>
+                          </a:solidFill>
+                        </a:rPr>
+                        <a:t>X</a:t>
+                      </a:r>
+                      <a:endParaRPr lang="ko-KR" altLang="en-US" sz="1400" b="0" dirty="0">
+                        <a:solidFill>
+                          <a:schemeClr val="tx1"/>
+                        </a:solidFill>
+                      </a:endParaRPr>
+                    </a:p>
+                  </a:txBody>
+                  <a:tcPr anchor="ctr"/>
+                </a:tc>
+                <a:tc>
+                  <a:txBody>
+                    <a:bodyPr/>
+                    <a:lstStyle/>
+                    <a:p>
+                      <a:pPr algn="ctr" latinLnBrk="1"/>
+                      <a:r>
+                        <a:rPr lang="en-US" altLang="ko-KR" sz="1400" b="0" dirty="0">
+                          <a:solidFill>
+                            <a:schemeClr val="tx1"/>
+                          </a:solidFill>
+                        </a:rPr>
+                        <a:t>80%</a:t>
+                      </a:r>
+                      <a:endParaRPr lang="ko-KR" altLang="en-US" sz="1400" b="0" dirty="0">
+                        <a:solidFill>
+                          <a:schemeClr val="tx1"/>
+                        </a:solidFill>
+                      </a:endParaRPr>
+                    </a:p>
+                  </a:txBody>
+                  <a:tcPr anchor="ctr"/>
+                </a:tc>
+                <a:extLst>
+                  <a:ext uri="{0D108BD9-81ED-4DB2-BD59-A6C34878D82A}">
+                    <a16:rowId xmlns:a16="http://schemas.microsoft.com/office/drawing/2014/main" val="3435870843"/>
+                  </a:ext>
+                </a:extLst>
+              </a:tr>
+              <a:tr h="624984">
+                <a:tc>
+                  <a:txBody>
+                    <a:bodyPr/>
+                    <a:lstStyle/>
+                    <a:p>
+                      <a:pPr algn="ctr" latinLnBrk="1"/>
+                      <a:r>
+                        <a:rPr lang="ko-KR" altLang="en-US" sz="1400" b="0" dirty="0">
+                          <a:solidFill>
+                            <a:schemeClr val="tx1"/>
+                          </a:solidFill>
+                        </a:rPr>
+                        <a:t>캐릭터 기술</a:t>
+                      </a:r>
+                    </a:p>
+                  </a:txBody>
+                  <a:tcPr anchor="ctr"/>
+                </a:tc>
+                <a:tc>
+                  <a:txBody>
+                    <a:bodyPr/>
+                    <a:lstStyle/>
+                    <a:p>
+                      <a:pPr algn="ctr" latinLnBrk="1"/>
+                      <a:r>
+                        <a:rPr lang="ko-KR" altLang="en-US" sz="1400" b="0" dirty="0">
+                          <a:solidFill>
+                            <a:schemeClr val="tx1"/>
+                          </a:solidFill>
+                        </a:rPr>
+                        <a:t>실제 포켓몬 스킬</a:t>
+                      </a:r>
+                      <a:r>
+                        <a:rPr lang="en-US" altLang="ko-KR" sz="1400" b="0" dirty="0">
+                          <a:solidFill>
+                            <a:schemeClr val="tx1"/>
+                          </a:solidFill>
+                        </a:rPr>
+                        <a:t>(</a:t>
+                      </a:r>
+                      <a:r>
+                        <a:rPr lang="ko-KR" altLang="en-US" sz="1400" b="0" dirty="0" err="1">
+                          <a:solidFill>
+                            <a:schemeClr val="tx1"/>
+                          </a:solidFill>
+                        </a:rPr>
+                        <a:t>아이언테일</a:t>
+                      </a:r>
+                      <a:r>
+                        <a:rPr lang="ko-KR" altLang="en-US" sz="1400" b="0" dirty="0">
+                          <a:solidFill>
+                            <a:schemeClr val="tx1"/>
+                          </a:solidFill>
+                        </a:rPr>
+                        <a:t> 등</a:t>
+                      </a:r>
+                      <a:r>
+                        <a:rPr lang="en-US" altLang="ko-KR" sz="1400" b="0" dirty="0">
+                          <a:solidFill>
+                            <a:schemeClr val="tx1"/>
+                          </a:solidFill>
+                        </a:rPr>
+                        <a:t>) 1</a:t>
+                      </a:r>
+                      <a:r>
+                        <a:rPr lang="ko-KR" altLang="en-US" sz="1400" b="0" dirty="0">
+                          <a:solidFill>
+                            <a:schemeClr val="tx1"/>
+                          </a:solidFill>
+                        </a:rPr>
+                        <a:t>개 구성 </a:t>
+                      </a:r>
+                      <a:endParaRPr lang="en-US" altLang="ko-KR" sz="1400" b="0" dirty="0">
+                        <a:solidFill>
+                          <a:schemeClr val="tx1"/>
+                        </a:solidFill>
+                      </a:endParaRPr>
+                    </a:p>
+                    <a:p>
+                      <a:pPr algn="ctr" latinLnBrk="1"/>
+                      <a:r>
+                        <a:rPr lang="ko-KR" altLang="en-US" sz="1400" b="0" dirty="0">
+                          <a:solidFill>
+                            <a:schemeClr val="tx1"/>
+                          </a:solidFill>
+                        </a:rPr>
+                        <a:t>및 추가 </a:t>
+                      </a:r>
+                      <a:r>
+                        <a:rPr lang="en-US" altLang="ko-KR" sz="1400" b="0" dirty="0">
+                          <a:solidFill>
+                            <a:schemeClr val="tx1"/>
+                          </a:solidFill>
+                        </a:rPr>
+                        <a:t>1</a:t>
+                      </a:r>
+                      <a:r>
+                        <a:rPr lang="ko-KR" altLang="en-US" sz="1400" b="0" dirty="0">
+                          <a:solidFill>
+                            <a:schemeClr val="tx1"/>
+                          </a:solidFill>
+                        </a:rPr>
+                        <a:t>개 스킬 반영</a:t>
+                      </a:r>
+                    </a:p>
+                  </a:txBody>
+                  <a:tcPr anchor="ctr"/>
+                </a:tc>
+                <a:tc>
+                  <a:txBody>
+                    <a:bodyPr/>
+                    <a:lstStyle/>
+                    <a:p>
+                      <a:pPr algn="ctr" latinLnBrk="1"/>
+                      <a:r>
+                        <a:rPr lang="ko-KR" altLang="en-US" sz="1400" b="0" dirty="0">
+                          <a:solidFill>
+                            <a:schemeClr val="tx1"/>
+                          </a:solidFill>
+                        </a:rPr>
+                        <a:t>실제 포켓몬 스킬 </a:t>
+                      </a:r>
+                      <a:r>
+                        <a:rPr lang="en-US" altLang="ko-KR" sz="1400" b="0" dirty="0">
+                          <a:solidFill>
+                            <a:schemeClr val="tx1"/>
+                          </a:solidFill>
+                        </a:rPr>
+                        <a:t>1</a:t>
+                      </a:r>
+                      <a:r>
+                        <a:rPr lang="ko-KR" altLang="en-US" sz="1400" b="0" dirty="0">
+                          <a:solidFill>
+                            <a:schemeClr val="tx1"/>
+                          </a:solidFill>
+                        </a:rPr>
+                        <a:t>개 구성</a:t>
+                      </a:r>
+                      <a:endParaRPr lang="en-US" altLang="ko-KR" sz="1400" b="0" dirty="0">
+                        <a:solidFill>
+                          <a:schemeClr val="tx1"/>
+                        </a:solidFill>
+                      </a:endParaRPr>
+                    </a:p>
+                  </a:txBody>
+                  <a:tcPr anchor="ctr"/>
+                </a:tc>
+                <a:tc>
+                  <a:txBody>
+                    <a:bodyPr/>
+                    <a:lstStyle/>
+                    <a:p>
+                      <a:pPr algn="ctr" latinLnBrk="1"/>
+                      <a:r>
+                        <a:rPr lang="en-US" altLang="ko-KR" sz="1400" b="0" dirty="0">
+                          <a:solidFill>
+                            <a:schemeClr val="tx1"/>
+                          </a:solidFill>
+                        </a:rPr>
+                        <a:t>50%</a:t>
+                      </a:r>
+                    </a:p>
+                  </a:txBody>
+                  <a:tcPr anchor="ctr"/>
+                </a:tc>
+                <a:extLst>
+                  <a:ext uri="{0D108BD9-81ED-4DB2-BD59-A6C34878D82A}">
+                    <a16:rowId xmlns:a16="http://schemas.microsoft.com/office/drawing/2014/main" val="1477772489"/>
+                  </a:ext>
+                </a:extLst>
+              </a:tr>
+              <a:tr h="624984">
+                <a:tc>
+                  <a:txBody>
+                    <a:bodyPr/>
+                    <a:lstStyle/>
+                    <a:p>
+                      <a:pPr algn="ctr" latinLnBrk="1"/>
+                      <a:r>
+                        <a:rPr lang="ko-KR" altLang="en-US" sz="1400" b="0" dirty="0">
+                          <a:solidFill>
+                            <a:schemeClr val="tx1"/>
+                          </a:solidFill>
+                        </a:rPr>
+                        <a:t>맵</a:t>
+                      </a:r>
+                    </a:p>
+                  </a:txBody>
+                  <a:tcPr anchor="ctr"/>
+                </a:tc>
+                <a:tc>
+                  <a:txBody>
+                    <a:bodyPr/>
+                    <a:lstStyle/>
+                    <a:p>
+                      <a:pPr algn="ctr" latinLnBrk="1"/>
+                      <a:r>
+                        <a:rPr lang="ko-KR" altLang="en-US" sz="1400" b="0" dirty="0">
                           <a:solidFill>
                             <a:schemeClr val="tx1"/>
                           </a:solidFill>
@@ -4380,7 +4595,7 @@
                         <a:t>총 </a:t>
                       </a:r>
                       <a:r>
-                        <a:rPr lang="en-US" altLang="ko-KR" sz="1600" b="0" dirty="0">
+                        <a:rPr lang="en-US" altLang="ko-KR" sz="1400" b="0" dirty="0">
                           <a:solidFill>
                             <a:schemeClr val="tx1"/>
                           </a:solidFill>
@@ -4388,16 +4603,16 @@
                         <a:t>3</a:t>
                       </a:r>
                       <a:r>
-                        <a:rPr lang="ko-KR" altLang="en-US" sz="1600" b="0" dirty="0">
-                          <a:solidFill>
-                            <a:schemeClr val="tx1"/>
-                          </a:solidFill>
-                        </a:rPr>
-                        <a:t>개의 캐릭터 구성</a:t>
+                        <a:rPr lang="ko-KR" altLang="en-US" sz="1400" b="0" dirty="0">
+                          <a:solidFill>
+                            <a:schemeClr val="tx1"/>
+                          </a:solidFill>
+                        </a:rPr>
+                        <a:t>개의 맵 구성 및 선택창 구현</a:t>
                       </a:r>
                     </a:p>
                   </a:txBody>
-                  <a:tcPr/>
+                  <a:tcPr anchor="ctr"/>
                 </a:tc>
                 <a:tc>
                   <a:txBody>
@@ -4422,16 +4637,256 @@
                         <a:defRPr/>
                       </a:pPr>
                       <a:r>
-                        <a:rPr lang="ko-KR" altLang="en-US" sz="1600" b="0" dirty="0">
-                          <a:solidFill>
-                            <a:schemeClr val="tx1"/>
-                          </a:solidFill>
-                        </a:rPr>
-                        <a:t>캐릭터 선택창 구현</a:t>
-                      </a:r>
+                        <a:rPr lang="en-US" altLang="ko-KR" sz="1400" b="0" dirty="0">
+                          <a:solidFill>
+                            <a:schemeClr val="tx1"/>
+                          </a:solidFill>
+                        </a:rPr>
+                        <a:t>1</a:t>
+                      </a:r>
+                      <a:r>
+                        <a:rPr lang="ko-KR" altLang="en-US" sz="1400" b="0" dirty="0">
+                          <a:solidFill>
+                            <a:schemeClr val="tx1"/>
+                          </a:solidFill>
+                        </a:rPr>
+                        <a:t>개 맵 구성 </a:t>
+                      </a:r>
+                      <a:endParaRPr lang="en-US" altLang="ko-KR" sz="1400" b="0" dirty="0">
+                        <a:solidFill>
+                          <a:schemeClr val="tx1"/>
+                        </a:solidFill>
+                      </a:endParaRPr>
+                    </a:p>
+                    <a:p>
+                      <a:pPr marL="0" marR="0" lvl="0" indent="0" algn="ctr" defTabSz="914400" rtl="0" eaLnBrk="1" fontAlgn="auto" latinLnBrk="1" hangingPunct="1">
+                        <a:lnSpc>
+                          <a:spcPct val="100000"/>
+                        </a:lnSpc>
+                        <a:spcBef>
+                          <a:spcPts val="0"/>
+                        </a:spcBef>
+                        <a:spcAft>
+                          <a:spcPts val="0"/>
+                        </a:spcAft>
+                        <a:buClrTx/>
+                        <a:buSzTx/>
+                        <a:buFontTx/>
+                        <a:buNone/>
+                        <a:tabLst/>
+                        <a:defRPr/>
+                      </a:pPr>
+                      <a:r>
+                        <a:rPr lang="ko-KR" altLang="en-US" sz="1400" b="0" dirty="0">
+                          <a:solidFill>
+                            <a:schemeClr val="tx1"/>
+                          </a:solidFill>
+                        </a:rPr>
+                        <a:t>추가 맵 및 선택창 구현 </a:t>
+                      </a:r>
+                      <a:r>
+                        <a:rPr lang="en-US" altLang="ko-KR" sz="1400" b="0" dirty="0">
+                          <a:solidFill>
+                            <a:schemeClr val="tx1"/>
+                          </a:solidFill>
+                        </a:rPr>
+                        <a:t>X</a:t>
+                      </a:r>
+                      <a:endParaRPr lang="ko-KR" altLang="en-US" sz="1400" b="0" dirty="0">
+                        <a:solidFill>
+                          <a:schemeClr val="tx1"/>
+                        </a:solidFill>
+                      </a:endParaRPr>
                     </a:p>
                   </a:txBody>
-                  <a:tcPr/>
+                  <a:tcPr anchor="ctr"/>
+                </a:tc>
+                <a:tc>
+                  <a:txBody>
+                    <a:bodyPr/>
+                    <a:lstStyle/>
+                    <a:p>
+                      <a:pPr marL="0" marR="0" lvl="0" indent="0" algn="ctr" defTabSz="914400" rtl="0" eaLnBrk="1" fontAlgn="auto" latinLnBrk="1" hangingPunct="1">
+                        <a:lnSpc>
+                          <a:spcPct val="100000"/>
+                        </a:lnSpc>
+                        <a:spcBef>
+                          <a:spcPts val="0"/>
+                        </a:spcBef>
+                        <a:spcAft>
+                          <a:spcPts val="0"/>
+                        </a:spcAft>
+                        <a:buClrTx/>
+                        <a:buSzTx/>
+                        <a:buFontTx/>
+                        <a:buNone/>
+                        <a:tabLst/>
+                        <a:defRPr/>
+                      </a:pPr>
+                      <a:r>
+                        <a:rPr lang="en-US" altLang="ko-KR" sz="1400" b="0" dirty="0">
+                          <a:solidFill>
+                            <a:schemeClr val="tx1"/>
+                          </a:solidFill>
+                        </a:rPr>
+                        <a:t>30%</a:t>
+                      </a:r>
+                      <a:endParaRPr lang="ko-KR" altLang="en-US" sz="1400" b="0" dirty="0">
+                        <a:solidFill>
+                          <a:schemeClr val="tx1"/>
+                        </a:solidFill>
+                      </a:endParaRPr>
+                    </a:p>
+                  </a:txBody>
+                  <a:tcPr anchor="ctr"/>
+                </a:tc>
+                <a:extLst>
+                  <a:ext uri="{0D108BD9-81ED-4DB2-BD59-A6C34878D82A}">
+                    <a16:rowId xmlns:a16="http://schemas.microsoft.com/office/drawing/2014/main" val="280363296"/>
+                  </a:ext>
+                </a:extLst>
+              </a:tr>
+              <a:tr h="367638">
+                <a:tc>
+                  <a:txBody>
+                    <a:bodyPr/>
+                    <a:lstStyle/>
+                    <a:p>
+                      <a:pPr algn="ctr" latinLnBrk="1"/>
+                      <a:r>
+                        <a:rPr lang="ko-KR" altLang="en-US" sz="1400" b="0" dirty="0">
+                          <a:solidFill>
+                            <a:schemeClr val="tx1"/>
+                          </a:solidFill>
+                        </a:rPr>
+                        <a:t>캐릭터</a:t>
+                      </a:r>
+                    </a:p>
+                  </a:txBody>
+                  <a:tcPr anchor="ctr"/>
+                </a:tc>
+                <a:tc>
+                  <a:txBody>
+                    <a:bodyPr/>
+                    <a:lstStyle/>
+                    <a:p>
+                      <a:pPr algn="ctr" latinLnBrk="1"/>
+                      <a:r>
+                        <a:rPr lang="ko-KR" altLang="en-US" sz="1400" b="0" dirty="0">
+                          <a:solidFill>
+                            <a:schemeClr val="tx1"/>
+                          </a:solidFill>
+                        </a:rPr>
+                        <a:t>총 </a:t>
+                      </a:r>
+                      <a:r>
+                        <a:rPr lang="en-US" altLang="ko-KR" sz="1400" b="0" dirty="0">
+                          <a:solidFill>
+                            <a:schemeClr val="tx1"/>
+                          </a:solidFill>
+                        </a:rPr>
+                        <a:t>3</a:t>
+                      </a:r>
+                      <a:r>
+                        <a:rPr lang="ko-KR" altLang="en-US" sz="1400" b="0" dirty="0">
+                          <a:solidFill>
+                            <a:schemeClr val="tx1"/>
+                          </a:solidFill>
+                        </a:rPr>
+                        <a:t>개의 캐릭터 구성 및 선택창 구현</a:t>
+                      </a:r>
+                    </a:p>
+                  </a:txBody>
+                  <a:tcPr anchor="ctr"/>
+                </a:tc>
+                <a:tc>
+                  <a:txBody>
+                    <a:bodyPr/>
+                    <a:lstStyle/>
+                    <a:p>
+                      <a:pPr marL="0" marR="0" lvl="0" indent="0" algn="ctr" defTabSz="914400" rtl="0" eaLnBrk="1" fontAlgn="auto" latinLnBrk="1" hangingPunct="1">
+                        <a:lnSpc>
+                          <a:spcPct val="100000"/>
+                        </a:lnSpc>
+                        <a:spcBef>
+                          <a:spcPts val="0"/>
+                        </a:spcBef>
+                        <a:spcAft>
+                          <a:spcPts val="0"/>
+                        </a:spcAft>
+                        <a:buClrTx/>
+                        <a:buSzTx/>
+                        <a:buFontTx/>
+                        <a:buNone/>
+                        <a:tabLst/>
+                        <a:defRPr/>
+                      </a:pPr>
+                      <a:r>
+                        <a:rPr lang="ko-KR" altLang="en-US" sz="1400" b="0" dirty="0">
+                          <a:solidFill>
+                            <a:schemeClr val="tx1"/>
+                          </a:solidFill>
+                        </a:rPr>
+                        <a:t>총 </a:t>
+                      </a:r>
+                      <a:r>
+                        <a:rPr lang="en-US" altLang="ko-KR" sz="1400" b="0" dirty="0">
+                          <a:solidFill>
+                            <a:schemeClr val="tx1"/>
+                          </a:solidFill>
+                        </a:rPr>
+                        <a:t>2</a:t>
+                      </a:r>
+                      <a:r>
+                        <a:rPr lang="ko-KR" altLang="en-US" sz="1400" b="0" dirty="0">
+                          <a:solidFill>
+                            <a:schemeClr val="tx1"/>
+                          </a:solidFill>
+                        </a:rPr>
+                        <a:t>개 캐릭터 구성 및 선택창 구현</a:t>
+                      </a:r>
+                    </a:p>
+                  </a:txBody>
+                  <a:tcPr anchor="ctr"/>
+                </a:tc>
+                <a:tc>
+                  <a:txBody>
+                    <a:bodyPr/>
+                    <a:lstStyle/>
+                    <a:p>
+                      <a:pPr marL="0" marR="0" lvl="0" indent="0" algn="ctr" defTabSz="914400" rtl="0" eaLnBrk="1" fontAlgn="auto" latinLnBrk="1" hangingPunct="1">
+                        <a:lnSpc>
+                          <a:spcPct val="100000"/>
+                        </a:lnSpc>
+                        <a:spcBef>
+                          <a:spcPts val="0"/>
+                        </a:spcBef>
+                        <a:spcAft>
+                          <a:spcPts val="0"/>
+                        </a:spcAft>
+                        <a:buClrTx/>
+                        <a:buSzTx/>
+                        <a:buFontTx/>
+                        <a:buNone/>
+                        <a:tabLst/>
+                        <a:defRPr/>
+                      </a:pPr>
+                      <a:r>
+                        <a:rPr lang="en-US" altLang="ko-KR" sz="1400" b="0" dirty="0">
+                          <a:solidFill>
+                            <a:schemeClr val="tx1"/>
+                          </a:solidFill>
+                        </a:rPr>
+                        <a:t>75%</a:t>
+                      </a:r>
+                      <a:endParaRPr lang="ko-KR" altLang="en-US" sz="1400" b="0" dirty="0">
+                        <a:solidFill>
+                          <a:schemeClr val="tx1"/>
+                        </a:solidFill>
+                      </a:endParaRPr>
+                    </a:p>
+                  </a:txBody>
+                  <a:tcPr anchor="ctr"/>
                 </a:tc>
                 <a:extLst>
                   <a:ext uri="{0D108BD9-81ED-4DB2-BD59-A6C34878D82A}">
@@ -4439,7 +4894,7 @@
                   </a:ext>
                 </a:extLst>
               </a:tr>
-              <a:tr h="338558">
+              <a:tr h="624984">
                 <a:tc>
                   <a:txBody>
                     <a:bodyPr/>
@@ -4447,12 +4902,16 @@
                     <a:p>
                       <a:pPr algn="ctr" latinLnBrk="1"/>
                       <a:r>
-                        <a:rPr lang="ko-KR" altLang="en-US" sz="1600" dirty="0"/>
+                        <a:rPr lang="ko-KR" altLang="en-US" sz="1400" b="0" dirty="0">
+                          <a:solidFill>
+                            <a:schemeClr val="tx1"/>
+                          </a:solidFill>
+                        </a:rPr>
                         <a:t>사운드</a:t>
                       </a:r>
                     </a:p>
                   </a:txBody>
-                  <a:tcPr/>
+                  <a:tcPr anchor="ctr"/>
                 </a:tc>
                 <a:tc>
                   <a:txBody>
@@ -4461,12 +4920,32 @@
                     <a:p>
                       <a:pPr algn="ctr" latinLnBrk="1"/>
                       <a:r>
-                        <a:rPr lang="ko-KR" altLang="en-US" sz="1600" dirty="0"/>
+                        <a:rPr lang="ko-KR" altLang="en-US" sz="1400" b="0" dirty="0">
+                          <a:solidFill>
+                            <a:schemeClr val="tx1"/>
+                          </a:solidFill>
+                        </a:rPr>
                         <a:t>배경 음악 및 공 터치 시 효과음 적용</a:t>
                       </a:r>
+                      <a:endParaRPr lang="en-US" altLang="ko-KR" sz="1400" b="0" dirty="0">
+                        <a:solidFill>
+                          <a:schemeClr val="tx1"/>
+                        </a:solidFill>
+                      </a:endParaRPr>
+                    </a:p>
+                    <a:p>
+                      <a:pPr algn="ctr" latinLnBrk="1"/>
+                      <a:r>
+                        <a:rPr lang="ko-KR" altLang="en-US" sz="1400" b="0" dirty="0">
+                          <a:solidFill>
+                            <a:schemeClr val="tx1"/>
+                          </a:solidFill>
+                        </a:rPr>
+                        <a:t>및 스킬 사용 시 효과음 추가</a:t>
+                      </a:r>
                     </a:p>
                   </a:txBody>
-                  <a:tcPr/>
+                  <a:tcPr anchor="ctr"/>
                 </a:tc>
                 <a:tc>
                   <a:txBody>
@@ -4475,12 +4954,39 @@
                     <a:p>
                       <a:pPr algn="ctr" latinLnBrk="1"/>
                       <a:r>
-                        <a:rPr lang="ko-KR" altLang="en-US" sz="1600" dirty="0"/>
-                        <a:t>스킬 사용 시 효과음 추가</a:t>
+                        <a:rPr lang="ko-KR" altLang="en-US" sz="1400" b="0" dirty="0">
+                          <a:solidFill>
+                            <a:schemeClr val="tx1"/>
+                          </a:solidFill>
+                        </a:rPr>
+                        <a:t>구현 완료</a:t>
                       </a:r>
                     </a:p>
                   </a:txBody>
-                  <a:tcPr/>
+                  <a:tcPr anchor="ctr"/>
+                </a:tc>
+                <a:tc>
+                  <a:txBody>
+                    <a:bodyPr/>
+                    <a:lstStyle/>
+                    <a:p>
+                      <a:pPr algn="ctr" latinLnBrk="1"/>
+                      <a:r>
+                        <a:rPr lang="en-US" altLang="ko-KR" sz="1400" b="0" dirty="0">
+                          <a:solidFill>
+                            <a:schemeClr val="tx1"/>
+                          </a:solidFill>
+                        </a:rPr>
+                        <a:t>100%</a:t>
+                      </a:r>
+                      <a:endParaRPr lang="ko-KR" altLang="en-US" sz="1400" b="0" dirty="0">
+                        <a:solidFill>
+                          <a:schemeClr val="tx1"/>
+                        </a:solidFill>
+                      </a:endParaRPr>
+                    </a:p>
+                  </a:txBody>
+                  <a:tcPr anchor="ctr"/>
                 </a:tc>
                 <a:extLst>
                   <a:ext uri="{0D108BD9-81ED-4DB2-BD59-A6C34878D82A}">
@@ -4488,7 +4994,7 @@
                   </a:ext>
                 </a:extLst>
               </a:tr>
-              <a:tr h="338558">
+              <a:tr h="624984">
                 <a:tc>
                   <a:txBody>
                     <a:bodyPr/>
@@ -4496,12 +5002,16 @@
                     <a:p>
                       <a:pPr algn="ctr" latinLnBrk="1"/>
                       <a:r>
-                        <a:rPr lang="ko-KR" altLang="en-US" sz="1600" dirty="0"/>
+                        <a:rPr lang="ko-KR" altLang="en-US" sz="1400" b="0" dirty="0">
+                          <a:solidFill>
+                            <a:schemeClr val="tx1"/>
+                          </a:solidFill>
+                        </a:rPr>
                         <a:t>애니메이션</a:t>
                       </a:r>
                     </a:p>
                   </a:txBody>
-                  <a:tcPr/>
+                  <a:tcPr anchor="ctr"/>
                 </a:tc>
                 <a:tc>
                   <a:txBody>
@@ -4510,12 +5020,32 @@
                     <a:p>
                       <a:pPr algn="ctr" latinLnBrk="1"/>
                       <a:r>
-                        <a:rPr lang="ko-KR" altLang="en-US" sz="1600" dirty="0"/>
+                        <a:rPr lang="ko-KR" altLang="en-US" sz="1400" b="0" dirty="0">
+                          <a:solidFill>
+                            <a:schemeClr val="tx1"/>
+                          </a:solidFill>
+                        </a:rPr>
                         <a:t>기본 컨트롤 모션 제공</a:t>
                       </a:r>
+                      <a:endParaRPr lang="en-US" altLang="ko-KR" sz="1400" b="0" dirty="0">
+                        <a:solidFill>
+                          <a:schemeClr val="tx1"/>
+                        </a:solidFill>
+                      </a:endParaRPr>
+                    </a:p>
+                    <a:p>
+                      <a:pPr algn="ctr" latinLnBrk="1"/>
+                      <a:r>
+                        <a:rPr lang="ko-KR" altLang="en-US" sz="1400" b="0" dirty="0">
+                          <a:solidFill>
+                            <a:schemeClr val="tx1"/>
+                          </a:solidFill>
+                        </a:rPr>
+                        <a:t>및 스킬 샷 모션 제공 </a:t>
+                      </a:r>
                     </a:p>
                   </a:txBody>
-                  <a:tcPr/>
+                  <a:tcPr anchor="ctr"/>
                 </a:tc>
                 <a:tc>
                   <a:txBody>
@@ -4524,12 +5054,39 @@
                     <a:p>
                       <a:pPr algn="ctr" latinLnBrk="1"/>
                       <a:r>
-                        <a:rPr lang="ko-KR" altLang="en-US" sz="1600" dirty="0"/>
-                        <a:t>스킬 샷 모션 제공 </a:t>
+                        <a:rPr lang="ko-KR" altLang="en-US" sz="1400" b="0" dirty="0">
+                          <a:solidFill>
+                            <a:schemeClr val="tx1"/>
+                          </a:solidFill>
+                        </a:rPr>
+                        <a:t>구현 완료</a:t>
                       </a:r>
                     </a:p>
                   </a:txBody>
-                  <a:tcPr/>
+                  <a:tcPr anchor="ctr"/>
+                </a:tc>
+                <a:tc>
+                  <a:txBody>
+                    <a:bodyPr/>
+                    <a:lstStyle/>
+                    <a:p>
+                      <a:pPr algn="ctr" latinLnBrk="1"/>
+                      <a:r>
+                        <a:rPr lang="en-US" altLang="ko-KR" sz="1400" b="0" dirty="0">
+                          <a:solidFill>
+                            <a:schemeClr val="tx1"/>
+                          </a:solidFill>
+                        </a:rPr>
+                        <a:t>100%</a:t>
+                      </a:r>
+                      <a:endParaRPr lang="ko-KR" altLang="en-US" sz="1400" b="0" dirty="0">
+                        <a:solidFill>
+                          <a:schemeClr val="tx1"/>
+                        </a:solidFill>
+                      </a:endParaRPr>
+                    </a:p>
+                  </a:txBody>
+                  <a:tcPr anchor="ctr"/>
                 </a:tc>
                 <a:extLst>
                   <a:ext uri="{0D108BD9-81ED-4DB2-BD59-A6C34878D82A}">
@@ -4537,30 +5094,34 @@
                   </a:ext>
                 </a:extLst>
               </a:tr>
-              <a:tr h="1077230">
+              <a:tr h="1139677">
                 <a:tc>
                   <a:txBody>
                     <a:bodyPr/>
                     <a:lstStyle/>
                     <a:p>
                       <a:pPr algn="ctr" latinLnBrk="1"/>
-                      <a:endParaRPr lang="en-US" altLang="ko-KR" sz="1600" dirty="0"/>
+                      <a:endParaRPr lang="en-US" altLang="ko-KR" sz="1400" b="0" dirty="0">
+                        <a:solidFill>
+                          <a:schemeClr val="tx1"/>
+                        </a:solidFill>
+                      </a:endParaRPr>
                     </a:p>
                     <a:p>
                       <a:pPr algn="ctr" latinLnBrk="1"/>
-                      <a:endParaRPr lang="en-US" altLang="ko-KR" sz="1600" dirty="0"/>
-                    </a:p>
-                    <a:p>
-                      <a:pPr algn="ctr" latinLnBrk="1"/>
-                      <a:r>
-                        <a:rPr lang="ko-KR" altLang="en-US" sz="1600" dirty="0"/>
+                      <a:r>
+                        <a:rPr lang="ko-KR" altLang="en-US" sz="1400" b="0" dirty="0">
+                          <a:solidFill>
+                            <a:schemeClr val="tx1"/>
+                          </a:solidFill>
+                        </a:rPr>
                         <a:t>게임 기능</a:t>
                       </a:r>
                     </a:p>
                   </a:txBody>
-                  <a:tcPr/>
+                  <a:tcPr anchor="ctr"/>
                 </a:tc>
-                <a:tc gridSpan="2">
+                <a:tc>
                   <a:txBody>
                     <a:bodyPr/>
                     <a:lstStyle/>
@@ -4569,93 +5130,225 @@
                         <a:buNone/>
                       </a:pPr>
                       <a:r>
-                        <a:rPr lang="en-US" altLang="ko-KR" sz="1600" b="0" dirty="0"/>
-                        <a:t>1. </a:t>
-                      </a:r>
-                      <a:r>
-                        <a:rPr lang="ko-KR" altLang="en-US" sz="1600" b="0" dirty="0"/>
+                        <a:rPr lang="ko-KR" altLang="en-US" sz="1400" b="0" dirty="0">
+                          <a:solidFill>
+                            <a:schemeClr val="tx1"/>
+                          </a:solidFill>
+                        </a:rPr>
                         <a:t>점수 획득 시 </a:t>
                       </a:r>
                       <a:r>
-                        <a:rPr lang="ko-KR" altLang="en-US" sz="1600" b="1" strike="noStrike" dirty="0">
-                          <a:solidFill>
-                            <a:srgbClr val="002060"/>
+                        <a:rPr lang="ko-KR" altLang="en-US" sz="1400" b="0" strike="noStrike" dirty="0">
+                          <a:solidFill>
+                            <a:schemeClr val="tx1"/>
                           </a:solidFill>
                         </a:rPr>
                         <a:t>스킬 포인트 </a:t>
                       </a:r>
                       <a:r>
-                        <a:rPr lang="ko-KR" altLang="en-US" sz="1600" b="0" dirty="0"/>
+                        <a:rPr lang="ko-KR" altLang="en-US" sz="1400" b="0" dirty="0">
+                          <a:solidFill>
+                            <a:schemeClr val="tx1"/>
+                          </a:solidFill>
+                        </a:rPr>
                         <a:t>증가</a:t>
                       </a:r>
-                      <a:endParaRPr lang="en-US" altLang="ko-KR" sz="1600" b="0" strike="noStrike" dirty="0">
+                      <a:endParaRPr lang="en-US" altLang="ko-KR" sz="1400" b="0" strike="noStrike" dirty="0">
                         <a:solidFill>
-                          <a:schemeClr val="dk1"/>
+                          <a:schemeClr val="tx1"/>
                         </a:solidFill>
                       </a:endParaRPr>
                     </a:p>
                     <a:p>
-                      <a:pPr marL="342900" indent="-342900" algn="ctr" latinLnBrk="1">
-                        <a:buAutoNum type="arabicPeriod"/>
+                      <a:pPr marL="0" indent="0" algn="ctr" latinLnBrk="1">
+                        <a:buNone/>
                       </a:pPr>
                       <a:r>
-                        <a:rPr lang="ko-KR" altLang="en-US" sz="1600" b="1" strike="noStrike" dirty="0">
-                          <a:solidFill>
-                            <a:srgbClr val="002060"/>
+                        <a:rPr lang="ko-KR" altLang="en-US" sz="1400" b="0" strike="noStrike" dirty="0">
+                          <a:solidFill>
+                            <a:schemeClr val="tx1"/>
                           </a:solidFill>
                         </a:rPr>
                         <a:t>시간의 지남에 따른 스킬 포인트 증가</a:t>
                       </a:r>
-                      <a:endParaRPr lang="en-US" altLang="ko-KR" sz="1600" b="1" strike="sngStrike" dirty="0">
+                      <a:endParaRPr lang="en-US" altLang="ko-KR" sz="1400" b="0" strike="sngStrike" dirty="0">
                         <a:solidFill>
-                          <a:srgbClr val="002060"/>
+                          <a:schemeClr val="tx1"/>
                         </a:solidFill>
                       </a:endParaRPr>
                     </a:p>
                     <a:p>
                       <a:pPr algn="ctr" latinLnBrk="1"/>
                       <a:r>
-                        <a:rPr lang="en-US" altLang="ko-KR" sz="1600" b="0" dirty="0"/>
-                        <a:t>3.</a:t>
-                      </a:r>
-                      <a:r>
-                        <a:rPr lang="ko-KR" altLang="en-US" sz="1600" b="0" dirty="0"/>
-                        <a:t> 이단 점프 및 슬라이딩 등 연속 사용 불가</a:t>
-                      </a:r>
-                      <a:endParaRPr lang="en-US" altLang="ko-KR" sz="1600" b="0" dirty="0"/>
+                        <a:rPr lang="ko-KR" altLang="en-US" sz="1400" b="0" dirty="0">
+                          <a:solidFill>
+                            <a:schemeClr val="tx1"/>
+                          </a:solidFill>
+                        </a:rPr>
+                        <a:t>이단 점프 및 슬라이딩 등 연속 사용 불가</a:t>
+                      </a:r>
+                      <a:endParaRPr lang="en-US" altLang="ko-KR" sz="1400" b="0" dirty="0">
+                        <a:solidFill>
+                          <a:schemeClr val="tx1"/>
+                        </a:solidFill>
+                      </a:endParaRPr>
                     </a:p>
                     <a:p>
                       <a:pPr algn="ctr" latinLnBrk="1"/>
                       <a:r>
-                        <a:rPr lang="en-US" altLang="ko-KR" sz="1600" b="0" dirty="0"/>
-                        <a:t>4. </a:t>
-                      </a:r>
-                      <a:r>
-                        <a:rPr lang="ko-KR" altLang="en-US" sz="1600" b="0" dirty="0"/>
+                        <a:rPr lang="ko-KR" altLang="en-US" sz="1400" b="0" dirty="0">
+                          <a:solidFill>
+                            <a:schemeClr val="tx1"/>
+                          </a:solidFill>
+                        </a:rPr>
                         <a:t>스킬 </a:t>
                       </a:r>
                       <a:r>
-                        <a:rPr lang="ko-KR" altLang="en-US" sz="1600" b="0" dirty="0" err="1"/>
+                        <a:rPr lang="ko-KR" altLang="en-US" sz="1400" b="0" dirty="0" err="1">
+                          <a:solidFill>
+                            <a:schemeClr val="tx1"/>
+                          </a:solidFill>
+                        </a:rPr>
                         <a:t>이팩트</a:t>
                       </a:r>
                       <a:r>
-                        <a:rPr lang="ko-KR" altLang="en-US" sz="1600" b="0" dirty="0"/>
+                        <a:rPr lang="ko-KR" altLang="en-US" sz="1400" b="0" dirty="0">
+                          <a:solidFill>
+                            <a:schemeClr val="tx1"/>
+                          </a:solidFill>
+                        </a:rPr>
                         <a:t> 정교화</a:t>
                       </a:r>
                     </a:p>
                   </a:txBody>
-                  <a:tcPr/>
+                  <a:tcPr anchor="ctr"/>
                 </a:tc>
-                <a:tc hMerge="1">
+                <a:tc>
                   <a:txBody>
                     <a:bodyPr/>
                     <a:lstStyle/>
                     <a:p>
                       <a:pPr algn="ctr" latinLnBrk="1"/>
-                      <a:endParaRPr lang="ko-KR" altLang="en-US" sz="1600" dirty="0"/>
+                      <a:r>
+                        <a:rPr lang="ko-KR" altLang="en-US" sz="1400" b="0" dirty="0">
+                          <a:solidFill>
+                            <a:schemeClr val="tx1"/>
+                          </a:solidFill>
+                        </a:rPr>
+                        <a:t>점수 획득 시 스킬 포인트 증가 구현 </a:t>
+                      </a:r>
+                      <a:r>
+                        <a:rPr lang="en-US" altLang="ko-KR" sz="1400" b="0" dirty="0">
+                          <a:solidFill>
+                            <a:schemeClr val="tx1"/>
+                          </a:solidFill>
+                        </a:rPr>
+                        <a:t>: X</a:t>
+                      </a:r>
+                    </a:p>
+                    <a:p>
+                      <a:pPr algn="ctr" latinLnBrk="1"/>
+                      <a:r>
+                        <a:rPr lang="ko-KR" altLang="en-US" sz="1400" b="0" dirty="0">
+                          <a:solidFill>
+                            <a:schemeClr val="tx1"/>
+                          </a:solidFill>
+                        </a:rPr>
+                        <a:t>시간이 지남에 따른 스킬 포인트 증가 구현 </a:t>
+                      </a:r>
+                      <a:r>
+                        <a:rPr lang="en-US" altLang="ko-KR" sz="1400" b="0" dirty="0">
+                          <a:solidFill>
+                            <a:schemeClr val="tx1"/>
+                          </a:solidFill>
+                        </a:rPr>
+                        <a:t>: O</a:t>
+                      </a:r>
+                    </a:p>
+                    <a:p>
+                      <a:pPr algn="ctr" latinLnBrk="1"/>
+                      <a:r>
+                        <a:rPr lang="ko-KR" altLang="en-US" sz="1400" b="0" dirty="0">
+                          <a:solidFill>
+                            <a:schemeClr val="tx1"/>
+                          </a:solidFill>
+                        </a:rPr>
+                        <a:t>이단 점프 및 슬라이딩 연속 사용 불가 구현 </a:t>
+                      </a:r>
+                      <a:r>
+                        <a:rPr lang="en-US" altLang="ko-KR" sz="1400" b="0" dirty="0">
+                          <a:solidFill>
+                            <a:schemeClr val="tx1"/>
+                          </a:solidFill>
+                        </a:rPr>
+                        <a:t>: X</a:t>
+                      </a:r>
+                    </a:p>
+                    <a:p>
+                      <a:pPr algn="ctr" latinLnBrk="1"/>
+                      <a:r>
+                        <a:rPr lang="ko-KR" altLang="en-US" sz="1400" b="0" dirty="0">
+                          <a:solidFill>
+                            <a:schemeClr val="tx1"/>
+                          </a:solidFill>
+                        </a:rPr>
+                        <a:t>스킬 </a:t>
+                      </a:r>
+                      <a:r>
+                        <a:rPr lang="ko-KR" altLang="en-US" sz="1400" b="0" dirty="0" err="1">
+                          <a:solidFill>
+                            <a:schemeClr val="tx1"/>
+                          </a:solidFill>
+                        </a:rPr>
+                        <a:t>이팩트</a:t>
+                      </a:r>
+                      <a:r>
+                        <a:rPr lang="ko-KR" altLang="en-US" sz="1400" b="0" dirty="0">
+                          <a:solidFill>
+                            <a:schemeClr val="tx1"/>
+                          </a:solidFill>
+                        </a:rPr>
+                        <a:t> 정교화 구현</a:t>
+                      </a:r>
+                      <a:r>
+                        <a:rPr lang="en-US" altLang="ko-KR" sz="1400" b="0" dirty="0">
+                          <a:solidFill>
+                            <a:schemeClr val="tx1"/>
+                          </a:solidFill>
+                        </a:rPr>
+                        <a:t>: O</a:t>
+                      </a:r>
+                      <a:endParaRPr lang="ko-KR" altLang="en-US" sz="1600" b="0" dirty="0">
+                        <a:solidFill>
+                          <a:schemeClr val="tx1"/>
+                        </a:solidFill>
+                      </a:endParaRPr>
                     </a:p>
                   </a:txBody>
-                  <a:tcPr/>
+                  <a:tcPr anchor="ctr"/>
+                </a:tc>
+                <a:tc>
+                  <a:txBody>
+                    <a:bodyPr/>
+                    <a:lstStyle/>
+                    <a:p>
+                      <a:pPr algn="ctr" latinLnBrk="1"/>
+                      <a:r>
+                        <a:rPr lang="en-US" altLang="ko-KR" sz="1400" b="0" dirty="0">
+                          <a:solidFill>
+                            <a:schemeClr val="tx1"/>
+                          </a:solidFill>
+                        </a:rPr>
+                        <a:t>50%</a:t>
+                      </a:r>
+                      <a:endParaRPr lang="ko-KR" altLang="en-US" sz="1400" b="0" dirty="0">
+                        <a:solidFill>
+                          <a:schemeClr val="tx1"/>
+                        </a:solidFill>
+                      </a:endParaRPr>
+                    </a:p>
+                  </a:txBody>
+                  <a:tcPr anchor="ctr"/>
                 </a:tc>
                 <a:extLst>
                   <a:ext uri="{0D108BD9-81ED-4DB2-BD59-A6C34878D82A}">
